--- a/Accessing the how of instruction.pptx
+++ b/Accessing the how of instruction.pptx
@@ -117,22 +117,6 @@
       </a:defRPr>
     </a:lvl9pPr>
   </p:defaultTextStyle>
-  <p:extLst>
-    <p:ext uri="{EFAFB233-063F-42B5-8137-9DF3F51BA10A}">
-      <p15:sldGuideLst xmlns:p15="http://schemas.microsoft.com/office/powerpoint/2012/main">
-        <p15:guide id="1" orient="horz" pos="2160">
-          <p15:clr>
-            <a:srgbClr val="A4A3A4"/>
-          </p15:clr>
-        </p15:guide>
-        <p15:guide id="2" pos="2880">
-          <p15:clr>
-            <a:srgbClr val="A4A3A4"/>
-          </p15:clr>
-        </p15:guide>
-      </p15:sldGuideLst>
-    </p:ext>
-  </p:extLst>
 </p:presentation>
 </file>
 
@@ -2383,6 +2367,522 @@
       <dsp:cNvGrpSpPr/>
     </dsp:nvGrpSpPr>
     <dsp:grpSpPr/>
+    <dsp:sp modelId="{F573EFD4-56E6-DA4E-88CD-771C25C46A5B}">
+      <dsp:nvSpPr>
+        <dsp:cNvPr id="0" name=""/>
+        <dsp:cNvSpPr/>
+      </dsp:nvSpPr>
+      <dsp:spPr>
+        <a:xfrm rot="5400000">
+          <a:off x="-247556" y="251355"/>
+          <a:ext cx="1650378" cy="1155265"/>
+        </a:xfrm>
+        <a:prstGeom prst="chevron">
+          <a:avLst/>
+        </a:prstGeom>
+        <a:solidFill>
+          <a:schemeClr val="accent1">
+            <a:hueOff val="0"/>
+            <a:satOff val="0"/>
+            <a:lumOff val="0"/>
+            <a:alphaOff val="0"/>
+          </a:schemeClr>
+        </a:solidFill>
+        <a:ln w="10000" cap="flat" cmpd="sng" algn="ctr">
+          <a:solidFill>
+            <a:schemeClr val="accent1">
+              <a:hueOff val="0"/>
+              <a:satOff val="0"/>
+              <a:lumOff val="0"/>
+              <a:alphaOff val="0"/>
+            </a:schemeClr>
+          </a:solidFill>
+          <a:prstDash val="solid"/>
+        </a:ln>
+        <a:effectLst>
+          <a:outerShdw blurRad="38100" dist="30000" dir="5400000" rotWithShape="0">
+            <a:srgbClr val="000000">
+              <a:alpha val="45000"/>
+            </a:srgbClr>
+          </a:outerShdw>
+        </a:effectLst>
+      </dsp:spPr>
+      <dsp:style>
+        <a:lnRef idx="1">
+          <a:scrgbClr r="0" g="0" b="0"/>
+        </a:lnRef>
+        <a:fillRef idx="3">
+          <a:scrgbClr r="0" g="0" b="0"/>
+        </a:fillRef>
+        <a:effectRef idx="2">
+          <a:scrgbClr r="0" g="0" b="0"/>
+        </a:effectRef>
+        <a:fontRef idx="minor">
+          <a:schemeClr val="lt1"/>
+        </a:fontRef>
+      </dsp:style>
+      <dsp:txBody>
+        <a:bodyPr spcFirstLastPara="0" vert="horz" wrap="square" lIns="20320" tIns="20320" rIns="20320" bIns="20320" numCol="1" spcCol="1270" anchor="ctr" anchorCtr="0">
+          <a:noAutofit/>
+        </a:bodyPr>
+        <a:lstStyle/>
+        <a:p>
+          <a:pPr lvl="0" algn="ctr" defTabSz="1422400">
+            <a:lnSpc>
+              <a:spcPct val="90000"/>
+            </a:lnSpc>
+            <a:spcBef>
+              <a:spcPct val="0"/>
+            </a:spcBef>
+            <a:spcAft>
+              <a:spcPct val="35000"/>
+            </a:spcAft>
+          </a:pPr>
+          <a:r>
+            <a:rPr lang="en-US" sz="3200" kern="1200" dirty="0" smtClean="0">
+              <a:latin typeface="Arial"/>
+              <a:cs typeface="Arial"/>
+            </a:rPr>
+            <a:t>1</a:t>
+          </a:r>
+          <a:endParaRPr lang="en-US" sz="3200" kern="1200" dirty="0">
+            <a:latin typeface="Arial"/>
+            <a:cs typeface="Arial"/>
+          </a:endParaRPr>
+        </a:p>
+      </dsp:txBody>
+      <dsp:txXfrm rot="-5400000">
+        <a:off x="1" y="581432"/>
+        <a:ext cx="1155265" cy="495113"/>
+      </dsp:txXfrm>
+    </dsp:sp>
+    <dsp:sp modelId="{B79B713A-5B0F-8840-9883-8D803561449A}">
+      <dsp:nvSpPr>
+        <dsp:cNvPr id="0" name=""/>
+        <dsp:cNvSpPr/>
+      </dsp:nvSpPr>
+      <dsp:spPr>
+        <a:xfrm rot="5400000">
+          <a:off x="1984359" y="-825295"/>
+          <a:ext cx="1072746" cy="2730934"/>
+        </a:xfrm>
+        <a:prstGeom prst="round2SameRect">
+          <a:avLst/>
+        </a:prstGeom>
+        <a:solidFill>
+          <a:schemeClr val="lt1">
+            <a:alpha val="90000"/>
+            <a:hueOff val="0"/>
+            <a:satOff val="0"/>
+            <a:lumOff val="0"/>
+            <a:alphaOff val="0"/>
+          </a:schemeClr>
+        </a:solidFill>
+        <a:ln w="10000" cap="flat" cmpd="sng" algn="ctr">
+          <a:solidFill>
+            <a:schemeClr val="accent1">
+              <a:hueOff val="0"/>
+              <a:satOff val="0"/>
+              <a:lumOff val="0"/>
+              <a:alphaOff val="0"/>
+            </a:schemeClr>
+          </a:solidFill>
+          <a:prstDash val="solid"/>
+        </a:ln>
+        <a:effectLst/>
+      </dsp:spPr>
+      <dsp:style>
+        <a:lnRef idx="1">
+          <a:scrgbClr r="0" g="0" b="0"/>
+        </a:lnRef>
+        <a:fillRef idx="1">
+          <a:scrgbClr r="0" g="0" b="0"/>
+        </a:fillRef>
+        <a:effectRef idx="0">
+          <a:scrgbClr r="0" g="0" b="0"/>
+        </a:effectRef>
+        <a:fontRef idx="minor"/>
+      </dsp:style>
+      <dsp:txBody>
+        <a:bodyPr spcFirstLastPara="0" vert="horz" wrap="square" lIns="170688" tIns="15240" rIns="15240" bIns="15240" numCol="1" spcCol="1270" anchor="ctr" anchorCtr="0">
+          <a:noAutofit/>
+        </a:bodyPr>
+        <a:lstStyle/>
+        <a:p>
+          <a:pPr marL="228600" lvl="1" indent="-228600" algn="l" defTabSz="1066800">
+            <a:lnSpc>
+              <a:spcPct val="90000"/>
+            </a:lnSpc>
+            <a:spcBef>
+              <a:spcPct val="0"/>
+            </a:spcBef>
+            <a:spcAft>
+              <a:spcPct val="15000"/>
+            </a:spcAft>
+            <a:buChar char="••"/>
+          </a:pPr>
+          <a:r>
+            <a:rPr lang="en-US" sz="2400" kern="1200" dirty="0" smtClean="0">
+              <a:latin typeface="Arial"/>
+              <a:cs typeface="Arial"/>
+            </a:rPr>
+            <a:t>Same thing, same way</a:t>
+          </a:r>
+          <a:endParaRPr lang="en-US" sz="2400" kern="1200" dirty="0">
+            <a:latin typeface="Arial"/>
+            <a:cs typeface="Arial"/>
+          </a:endParaRPr>
+        </a:p>
+      </dsp:txBody>
+      <dsp:txXfrm rot="-5400000">
+        <a:off x="1155266" y="56165"/>
+        <a:ext cx="2678567" cy="968012"/>
+      </dsp:txXfrm>
+    </dsp:sp>
+    <dsp:sp modelId="{A3E1F1FE-9430-2C4E-848A-6A499073ED3E}">
+      <dsp:nvSpPr>
+        <dsp:cNvPr id="0" name=""/>
+        <dsp:cNvSpPr/>
+      </dsp:nvSpPr>
+      <dsp:spPr>
+        <a:xfrm rot="5400000">
+          <a:off x="-247556" y="1708367"/>
+          <a:ext cx="1650378" cy="1155265"/>
+        </a:xfrm>
+        <a:prstGeom prst="chevron">
+          <a:avLst/>
+        </a:prstGeom>
+        <a:solidFill>
+          <a:schemeClr val="accent1">
+            <a:hueOff val="0"/>
+            <a:satOff val="0"/>
+            <a:lumOff val="0"/>
+            <a:alphaOff val="0"/>
+          </a:schemeClr>
+        </a:solidFill>
+        <a:ln w="10000" cap="flat" cmpd="sng" algn="ctr">
+          <a:solidFill>
+            <a:schemeClr val="accent1">
+              <a:hueOff val="0"/>
+              <a:satOff val="0"/>
+              <a:lumOff val="0"/>
+              <a:alphaOff val="0"/>
+            </a:schemeClr>
+          </a:solidFill>
+          <a:prstDash val="solid"/>
+        </a:ln>
+        <a:effectLst>
+          <a:outerShdw blurRad="38100" dist="30000" dir="5400000" rotWithShape="0">
+            <a:srgbClr val="000000">
+              <a:alpha val="45000"/>
+            </a:srgbClr>
+          </a:outerShdw>
+        </a:effectLst>
+      </dsp:spPr>
+      <dsp:style>
+        <a:lnRef idx="1">
+          <a:scrgbClr r="0" g="0" b="0"/>
+        </a:lnRef>
+        <a:fillRef idx="3">
+          <a:scrgbClr r="0" g="0" b="0"/>
+        </a:fillRef>
+        <a:effectRef idx="2">
+          <a:scrgbClr r="0" g="0" b="0"/>
+        </a:effectRef>
+        <a:fontRef idx="minor">
+          <a:schemeClr val="lt1"/>
+        </a:fontRef>
+      </dsp:style>
+      <dsp:txBody>
+        <a:bodyPr spcFirstLastPara="0" vert="horz" wrap="square" lIns="20320" tIns="20320" rIns="20320" bIns="20320" numCol="1" spcCol="1270" anchor="ctr" anchorCtr="0">
+          <a:noAutofit/>
+        </a:bodyPr>
+        <a:lstStyle/>
+        <a:p>
+          <a:pPr lvl="0" algn="ctr" defTabSz="1422400">
+            <a:lnSpc>
+              <a:spcPct val="90000"/>
+            </a:lnSpc>
+            <a:spcBef>
+              <a:spcPct val="0"/>
+            </a:spcBef>
+            <a:spcAft>
+              <a:spcPct val="35000"/>
+            </a:spcAft>
+          </a:pPr>
+          <a:r>
+            <a:rPr lang="en-US" sz="3200" kern="1200" dirty="0" smtClean="0">
+              <a:latin typeface="Arial"/>
+              <a:cs typeface="Arial"/>
+            </a:rPr>
+            <a:t>2</a:t>
+          </a:r>
+          <a:endParaRPr lang="en-US" sz="3200" kern="1200" dirty="0">
+            <a:latin typeface="Arial"/>
+            <a:cs typeface="Arial"/>
+          </a:endParaRPr>
+        </a:p>
+      </dsp:txBody>
+      <dsp:txXfrm rot="-5400000">
+        <a:off x="1" y="2038444"/>
+        <a:ext cx="1155265" cy="495113"/>
+      </dsp:txXfrm>
+    </dsp:sp>
+    <dsp:sp modelId="{854FA13E-E4B2-D945-BEFD-18A368666619}">
+      <dsp:nvSpPr>
+        <dsp:cNvPr id="0" name=""/>
+        <dsp:cNvSpPr/>
+      </dsp:nvSpPr>
+      <dsp:spPr>
+        <a:xfrm rot="5400000">
+          <a:off x="1984359" y="631716"/>
+          <a:ext cx="1072746" cy="2730934"/>
+        </a:xfrm>
+        <a:prstGeom prst="round2SameRect">
+          <a:avLst/>
+        </a:prstGeom>
+        <a:solidFill>
+          <a:schemeClr val="lt1">
+            <a:alpha val="90000"/>
+            <a:hueOff val="0"/>
+            <a:satOff val="0"/>
+            <a:lumOff val="0"/>
+            <a:alphaOff val="0"/>
+          </a:schemeClr>
+        </a:solidFill>
+        <a:ln w="10000" cap="flat" cmpd="sng" algn="ctr">
+          <a:solidFill>
+            <a:schemeClr val="accent1">
+              <a:hueOff val="0"/>
+              <a:satOff val="0"/>
+              <a:lumOff val="0"/>
+              <a:alphaOff val="0"/>
+            </a:schemeClr>
+          </a:solidFill>
+          <a:prstDash val="solid"/>
+        </a:ln>
+        <a:effectLst/>
+      </dsp:spPr>
+      <dsp:style>
+        <a:lnRef idx="1">
+          <a:scrgbClr r="0" g="0" b="0"/>
+        </a:lnRef>
+        <a:fillRef idx="1">
+          <a:scrgbClr r="0" g="0" b="0"/>
+        </a:fillRef>
+        <a:effectRef idx="0">
+          <a:scrgbClr r="0" g="0" b="0"/>
+        </a:effectRef>
+        <a:fontRef idx="minor"/>
+      </dsp:style>
+      <dsp:txBody>
+        <a:bodyPr spcFirstLastPara="0" vert="horz" wrap="square" lIns="170688" tIns="15240" rIns="15240" bIns="15240" numCol="1" spcCol="1270" anchor="ctr" anchorCtr="0">
+          <a:noAutofit/>
+        </a:bodyPr>
+        <a:lstStyle/>
+        <a:p>
+          <a:pPr marL="228600" lvl="1" indent="-228600" algn="l" defTabSz="1066800">
+            <a:lnSpc>
+              <a:spcPct val="90000"/>
+            </a:lnSpc>
+            <a:spcBef>
+              <a:spcPct val="0"/>
+            </a:spcBef>
+            <a:spcAft>
+              <a:spcPct val="15000"/>
+            </a:spcAft>
+            <a:buChar char="••"/>
+          </a:pPr>
+          <a:r>
+            <a:rPr lang="en-US" sz="2400" kern="1200" dirty="0" smtClean="0">
+              <a:latin typeface="Arial"/>
+              <a:cs typeface="Arial"/>
+            </a:rPr>
+            <a:t>Same thing, different way</a:t>
+          </a:r>
+          <a:endParaRPr lang="en-US" sz="2400" kern="1200" dirty="0">
+            <a:latin typeface="Arial"/>
+            <a:cs typeface="Arial"/>
+          </a:endParaRPr>
+        </a:p>
+      </dsp:txBody>
+      <dsp:txXfrm rot="-5400000">
+        <a:off x="1155266" y="1513177"/>
+        <a:ext cx="2678567" cy="968012"/>
+      </dsp:txXfrm>
+    </dsp:sp>
+    <dsp:sp modelId="{6A25FDCB-0AA6-8A40-96A4-1F3D13880E33}">
+      <dsp:nvSpPr>
+        <dsp:cNvPr id="0" name=""/>
+        <dsp:cNvSpPr/>
+      </dsp:nvSpPr>
+      <dsp:spPr>
+        <a:xfrm rot="5400000">
+          <a:off x="-247556" y="3165379"/>
+          <a:ext cx="1650378" cy="1155265"/>
+        </a:xfrm>
+        <a:prstGeom prst="chevron">
+          <a:avLst/>
+        </a:prstGeom>
+        <a:solidFill>
+          <a:schemeClr val="accent1">
+            <a:hueOff val="0"/>
+            <a:satOff val="0"/>
+            <a:lumOff val="0"/>
+            <a:alphaOff val="0"/>
+          </a:schemeClr>
+        </a:solidFill>
+        <a:ln w="10000" cap="flat" cmpd="sng" algn="ctr">
+          <a:solidFill>
+            <a:schemeClr val="accent1">
+              <a:hueOff val="0"/>
+              <a:satOff val="0"/>
+              <a:lumOff val="0"/>
+              <a:alphaOff val="0"/>
+            </a:schemeClr>
+          </a:solidFill>
+          <a:prstDash val="solid"/>
+        </a:ln>
+        <a:effectLst>
+          <a:outerShdw blurRad="38100" dist="30000" dir="5400000" rotWithShape="0">
+            <a:srgbClr val="000000">
+              <a:alpha val="45000"/>
+            </a:srgbClr>
+          </a:outerShdw>
+        </a:effectLst>
+      </dsp:spPr>
+      <dsp:style>
+        <a:lnRef idx="1">
+          <a:scrgbClr r="0" g="0" b="0"/>
+        </a:lnRef>
+        <a:fillRef idx="3">
+          <a:scrgbClr r="0" g="0" b="0"/>
+        </a:fillRef>
+        <a:effectRef idx="2">
+          <a:scrgbClr r="0" g="0" b="0"/>
+        </a:effectRef>
+        <a:fontRef idx="minor">
+          <a:schemeClr val="lt1"/>
+        </a:fontRef>
+      </dsp:style>
+      <dsp:txBody>
+        <a:bodyPr spcFirstLastPara="0" vert="horz" wrap="square" lIns="20320" tIns="20320" rIns="20320" bIns="20320" numCol="1" spcCol="1270" anchor="ctr" anchorCtr="0">
+          <a:noAutofit/>
+        </a:bodyPr>
+        <a:lstStyle/>
+        <a:p>
+          <a:pPr lvl="0" algn="ctr" defTabSz="1422400">
+            <a:lnSpc>
+              <a:spcPct val="90000"/>
+            </a:lnSpc>
+            <a:spcBef>
+              <a:spcPct val="0"/>
+            </a:spcBef>
+            <a:spcAft>
+              <a:spcPct val="35000"/>
+            </a:spcAft>
+          </a:pPr>
+          <a:r>
+            <a:rPr lang="en-US" sz="3200" kern="1200" dirty="0" smtClean="0">
+              <a:latin typeface="Arial"/>
+              <a:cs typeface="Arial"/>
+            </a:rPr>
+            <a:t>3</a:t>
+          </a:r>
+          <a:endParaRPr lang="en-US" sz="3200" kern="1200" dirty="0">
+            <a:latin typeface="Arial"/>
+            <a:cs typeface="Arial"/>
+          </a:endParaRPr>
+        </a:p>
+      </dsp:txBody>
+      <dsp:txXfrm rot="-5400000">
+        <a:off x="1" y="3495456"/>
+        <a:ext cx="1155265" cy="495113"/>
+      </dsp:txXfrm>
+    </dsp:sp>
+    <dsp:sp modelId="{EAB1A522-0A79-A345-B64E-598C6856F922}">
+      <dsp:nvSpPr>
+        <dsp:cNvPr id="0" name=""/>
+        <dsp:cNvSpPr/>
+      </dsp:nvSpPr>
+      <dsp:spPr>
+        <a:xfrm rot="5400000">
+          <a:off x="1984359" y="2088727"/>
+          <a:ext cx="1072746" cy="2730934"/>
+        </a:xfrm>
+        <a:prstGeom prst="round2SameRect">
+          <a:avLst/>
+        </a:prstGeom>
+        <a:solidFill>
+          <a:schemeClr val="lt1">
+            <a:alpha val="90000"/>
+            <a:hueOff val="0"/>
+            <a:satOff val="0"/>
+            <a:lumOff val="0"/>
+            <a:alphaOff val="0"/>
+          </a:schemeClr>
+        </a:solidFill>
+        <a:ln w="10000" cap="flat" cmpd="sng" algn="ctr">
+          <a:solidFill>
+            <a:schemeClr val="accent1">
+              <a:hueOff val="0"/>
+              <a:satOff val="0"/>
+              <a:lumOff val="0"/>
+              <a:alphaOff val="0"/>
+            </a:schemeClr>
+          </a:solidFill>
+          <a:prstDash val="solid"/>
+        </a:ln>
+        <a:effectLst/>
+      </dsp:spPr>
+      <dsp:style>
+        <a:lnRef idx="1">
+          <a:scrgbClr r="0" g="0" b="0"/>
+        </a:lnRef>
+        <a:fillRef idx="1">
+          <a:scrgbClr r="0" g="0" b="0"/>
+        </a:fillRef>
+        <a:effectRef idx="0">
+          <a:scrgbClr r="0" g="0" b="0"/>
+        </a:effectRef>
+        <a:fontRef idx="minor"/>
+      </dsp:style>
+      <dsp:txBody>
+        <a:bodyPr spcFirstLastPara="0" vert="horz" wrap="square" lIns="170688" tIns="15240" rIns="15240" bIns="15240" numCol="1" spcCol="1270" anchor="ctr" anchorCtr="0">
+          <a:noAutofit/>
+        </a:bodyPr>
+        <a:lstStyle/>
+        <a:p>
+          <a:pPr marL="228600" lvl="1" indent="-228600" algn="l" defTabSz="1066800">
+            <a:lnSpc>
+              <a:spcPct val="90000"/>
+            </a:lnSpc>
+            <a:spcBef>
+              <a:spcPct val="0"/>
+            </a:spcBef>
+            <a:spcAft>
+              <a:spcPct val="15000"/>
+            </a:spcAft>
+            <a:buChar char="••"/>
+          </a:pPr>
+          <a:r>
+            <a:rPr lang="en-US" sz="2400" kern="1200" dirty="0" smtClean="0">
+              <a:latin typeface="Arial"/>
+              <a:cs typeface="Arial"/>
+            </a:rPr>
+            <a:t>Same activity (or component), different goals</a:t>
+          </a:r>
+          <a:endParaRPr lang="en-US" sz="2400" kern="1200" dirty="0">
+            <a:latin typeface="Arial"/>
+            <a:cs typeface="Arial"/>
+          </a:endParaRPr>
+        </a:p>
+      </dsp:txBody>
+      <dsp:txXfrm rot="-5400000">
+        <a:off x="1155266" y="2970188"/>
+        <a:ext cx="2678567" cy="968012"/>
+      </dsp:txXfrm>
+    </dsp:sp>
   </dsp:spTree>
 </dsp:drawing>
 </file>
@@ -2395,6 +2895,350 @@
       <dsp:cNvGrpSpPr/>
     </dsp:nvGrpSpPr>
     <dsp:grpSpPr/>
+    <dsp:sp modelId="{FE61EE38-0F68-9946-BE8B-7AA6E127A1BF}">
+      <dsp:nvSpPr>
+        <dsp:cNvPr id="0" name=""/>
+        <dsp:cNvSpPr/>
+      </dsp:nvSpPr>
+      <dsp:spPr>
+        <a:xfrm rot="5400000">
+          <a:off x="-434965" y="438583"/>
+          <a:ext cx="2424410" cy="1554480"/>
+        </a:xfrm>
+        <a:prstGeom prst="chevron">
+          <a:avLst/>
+        </a:prstGeom>
+        <a:solidFill>
+          <a:schemeClr val="accent1">
+            <a:hueOff val="0"/>
+            <a:satOff val="0"/>
+            <a:lumOff val="0"/>
+            <a:alphaOff val="0"/>
+          </a:schemeClr>
+        </a:solidFill>
+        <a:ln w="10000" cap="flat" cmpd="sng" algn="ctr">
+          <a:solidFill>
+            <a:schemeClr val="accent1">
+              <a:hueOff val="0"/>
+              <a:satOff val="0"/>
+              <a:lumOff val="0"/>
+              <a:alphaOff val="0"/>
+            </a:schemeClr>
+          </a:solidFill>
+          <a:prstDash val="solid"/>
+        </a:ln>
+        <a:effectLst>
+          <a:outerShdw blurRad="38100" dist="30000" dir="5400000" rotWithShape="0">
+            <a:srgbClr val="000000">
+              <a:alpha val="45000"/>
+            </a:srgbClr>
+          </a:outerShdw>
+        </a:effectLst>
+      </dsp:spPr>
+      <dsp:style>
+        <a:lnRef idx="1">
+          <a:scrgbClr r="0" g="0" b="0"/>
+        </a:lnRef>
+        <a:fillRef idx="3">
+          <a:scrgbClr r="0" g="0" b="0"/>
+        </a:fillRef>
+        <a:effectRef idx="2">
+          <a:scrgbClr r="0" g="0" b="0"/>
+        </a:effectRef>
+        <a:fontRef idx="minor">
+          <a:schemeClr val="lt1"/>
+        </a:fontRef>
+      </dsp:style>
+      <dsp:txBody>
+        <a:bodyPr spcFirstLastPara="0" vert="horz" wrap="square" lIns="34290" tIns="34290" rIns="34290" bIns="34290" numCol="1" spcCol="1270" anchor="ctr" anchorCtr="0">
+          <a:noAutofit/>
+        </a:bodyPr>
+        <a:lstStyle/>
+        <a:p>
+          <a:pPr lvl="0" algn="ctr" defTabSz="2400300">
+            <a:lnSpc>
+              <a:spcPct val="90000"/>
+            </a:lnSpc>
+            <a:spcBef>
+              <a:spcPct val="0"/>
+            </a:spcBef>
+            <a:spcAft>
+              <a:spcPct val="35000"/>
+            </a:spcAft>
+          </a:pPr>
+          <a:r>
+            <a:rPr lang="en-US" sz="5400" kern="1200" dirty="0" smtClean="0">
+              <a:latin typeface="Arial"/>
+              <a:cs typeface="Arial"/>
+            </a:rPr>
+            <a:t>4</a:t>
+          </a:r>
+          <a:endParaRPr lang="en-US" sz="5400" kern="1200" dirty="0">
+            <a:latin typeface="Arial"/>
+            <a:cs typeface="Arial"/>
+          </a:endParaRPr>
+        </a:p>
+      </dsp:txBody>
+      <dsp:txXfrm rot="-5400000">
+        <a:off x="0" y="780858"/>
+        <a:ext cx="1554480" cy="869930"/>
+      </dsp:txXfrm>
+    </dsp:sp>
+    <dsp:sp modelId="{5993CC52-645D-8440-B9EC-D6C471355102}">
+      <dsp:nvSpPr>
+        <dsp:cNvPr id="0" name=""/>
+        <dsp:cNvSpPr/>
+      </dsp:nvSpPr>
+      <dsp:spPr>
+        <a:xfrm rot="5400000">
+          <a:off x="1896754" y="-338656"/>
+          <a:ext cx="1647170" cy="2331720"/>
+        </a:xfrm>
+        <a:prstGeom prst="round2SameRect">
+          <a:avLst/>
+        </a:prstGeom>
+        <a:solidFill>
+          <a:schemeClr val="lt1">
+            <a:alpha val="90000"/>
+            <a:hueOff val="0"/>
+            <a:satOff val="0"/>
+            <a:lumOff val="0"/>
+            <a:alphaOff val="0"/>
+          </a:schemeClr>
+        </a:solidFill>
+        <a:ln w="10000" cap="flat" cmpd="sng" algn="ctr">
+          <a:solidFill>
+            <a:schemeClr val="accent1">
+              <a:hueOff val="0"/>
+              <a:satOff val="0"/>
+              <a:lumOff val="0"/>
+              <a:alphaOff val="0"/>
+            </a:schemeClr>
+          </a:solidFill>
+          <a:prstDash val="solid"/>
+        </a:ln>
+        <a:effectLst/>
+      </dsp:spPr>
+      <dsp:style>
+        <a:lnRef idx="1">
+          <a:scrgbClr r="0" g="0" b="0"/>
+        </a:lnRef>
+        <a:fillRef idx="1">
+          <a:scrgbClr r="0" g="0" b="0"/>
+        </a:fillRef>
+        <a:effectRef idx="0">
+          <a:scrgbClr r="0" g="0" b="0"/>
+        </a:effectRef>
+        <a:fontRef idx="minor"/>
+      </dsp:style>
+      <dsp:txBody>
+        <a:bodyPr spcFirstLastPara="0" vert="horz" wrap="square" lIns="170688" tIns="15240" rIns="15240" bIns="15240" numCol="1" spcCol="1270" anchor="ctr" anchorCtr="0">
+          <a:noAutofit/>
+        </a:bodyPr>
+        <a:lstStyle/>
+        <a:p>
+          <a:pPr marL="228600" lvl="1" indent="-228600" algn="l" defTabSz="1066800">
+            <a:lnSpc>
+              <a:spcPct val="90000"/>
+            </a:lnSpc>
+            <a:spcBef>
+              <a:spcPct val="0"/>
+            </a:spcBef>
+            <a:spcAft>
+              <a:spcPct val="15000"/>
+            </a:spcAft>
+            <a:buChar char="••"/>
+          </a:pPr>
+          <a:r>
+            <a:rPr lang="en-US" sz="2400" kern="1200" dirty="0" smtClean="0">
+              <a:latin typeface="Arial"/>
+              <a:cs typeface="Arial"/>
+            </a:rPr>
+            <a:t>Same materials, different activity</a:t>
+          </a:r>
+          <a:endParaRPr lang="en-US" sz="2400" kern="1200" dirty="0">
+            <a:latin typeface="Arial"/>
+            <a:cs typeface="Arial"/>
+          </a:endParaRPr>
+        </a:p>
+      </dsp:txBody>
+      <dsp:txXfrm rot="-5400000">
+        <a:off x="1554479" y="84027"/>
+        <a:ext cx="2251312" cy="1486354"/>
+      </dsp:txXfrm>
+    </dsp:sp>
+    <dsp:sp modelId="{B393E4DC-A18C-7742-B106-8D0FD86FB67B}">
+      <dsp:nvSpPr>
+        <dsp:cNvPr id="0" name=""/>
+        <dsp:cNvSpPr/>
+      </dsp:nvSpPr>
+      <dsp:spPr>
+        <a:xfrm rot="5400000">
+          <a:off x="-434965" y="2578936"/>
+          <a:ext cx="2424410" cy="1554480"/>
+        </a:xfrm>
+        <a:prstGeom prst="chevron">
+          <a:avLst/>
+        </a:prstGeom>
+        <a:solidFill>
+          <a:schemeClr val="accent1">
+            <a:hueOff val="0"/>
+            <a:satOff val="0"/>
+            <a:lumOff val="0"/>
+            <a:alphaOff val="0"/>
+          </a:schemeClr>
+        </a:solidFill>
+        <a:ln w="10000" cap="flat" cmpd="sng" algn="ctr">
+          <a:solidFill>
+            <a:schemeClr val="accent1">
+              <a:hueOff val="0"/>
+              <a:satOff val="0"/>
+              <a:lumOff val="0"/>
+              <a:alphaOff val="0"/>
+            </a:schemeClr>
+          </a:solidFill>
+          <a:prstDash val="solid"/>
+        </a:ln>
+        <a:effectLst>
+          <a:outerShdw blurRad="38100" dist="30000" dir="5400000" rotWithShape="0">
+            <a:srgbClr val="000000">
+              <a:alpha val="45000"/>
+            </a:srgbClr>
+          </a:outerShdw>
+        </a:effectLst>
+      </dsp:spPr>
+      <dsp:style>
+        <a:lnRef idx="1">
+          <a:scrgbClr r="0" g="0" b="0"/>
+        </a:lnRef>
+        <a:fillRef idx="3">
+          <a:scrgbClr r="0" g="0" b="0"/>
+        </a:fillRef>
+        <a:effectRef idx="2">
+          <a:scrgbClr r="0" g="0" b="0"/>
+        </a:effectRef>
+        <a:fontRef idx="minor">
+          <a:schemeClr val="lt1"/>
+        </a:fontRef>
+      </dsp:style>
+      <dsp:txBody>
+        <a:bodyPr spcFirstLastPara="0" vert="horz" wrap="square" lIns="34290" tIns="34290" rIns="34290" bIns="34290" numCol="1" spcCol="1270" anchor="ctr" anchorCtr="0">
+          <a:noAutofit/>
+        </a:bodyPr>
+        <a:lstStyle/>
+        <a:p>
+          <a:pPr lvl="0" algn="ctr" defTabSz="2400300">
+            <a:lnSpc>
+              <a:spcPct val="90000"/>
+            </a:lnSpc>
+            <a:spcBef>
+              <a:spcPct val="0"/>
+            </a:spcBef>
+            <a:spcAft>
+              <a:spcPct val="35000"/>
+            </a:spcAft>
+          </a:pPr>
+          <a:r>
+            <a:rPr lang="en-US" sz="5400" kern="1200" dirty="0" smtClean="0">
+              <a:latin typeface="Arial"/>
+              <a:cs typeface="Arial"/>
+            </a:rPr>
+            <a:t>5</a:t>
+          </a:r>
+          <a:endParaRPr lang="en-US" sz="5400" kern="1200" dirty="0">
+            <a:latin typeface="Arial"/>
+            <a:cs typeface="Arial"/>
+          </a:endParaRPr>
+        </a:p>
+      </dsp:txBody>
+      <dsp:txXfrm rot="-5400000">
+        <a:off x="0" y="2921211"/>
+        <a:ext cx="1554480" cy="869930"/>
+      </dsp:txXfrm>
+    </dsp:sp>
+    <dsp:sp modelId="{D261107B-1A11-B246-8425-24DC547AD84F}">
+      <dsp:nvSpPr>
+        <dsp:cNvPr id="0" name=""/>
+        <dsp:cNvSpPr/>
+      </dsp:nvSpPr>
+      <dsp:spPr>
+        <a:xfrm rot="5400000">
+          <a:off x="1896754" y="1801696"/>
+          <a:ext cx="1647170" cy="2331720"/>
+        </a:xfrm>
+        <a:prstGeom prst="round2SameRect">
+          <a:avLst/>
+        </a:prstGeom>
+        <a:solidFill>
+          <a:schemeClr val="lt1">
+            <a:alpha val="90000"/>
+            <a:hueOff val="0"/>
+            <a:satOff val="0"/>
+            <a:lumOff val="0"/>
+            <a:alphaOff val="0"/>
+          </a:schemeClr>
+        </a:solidFill>
+        <a:ln w="10000" cap="flat" cmpd="sng" algn="ctr">
+          <a:solidFill>
+            <a:schemeClr val="accent1">
+              <a:hueOff val="0"/>
+              <a:satOff val="0"/>
+              <a:lumOff val="0"/>
+              <a:alphaOff val="0"/>
+            </a:schemeClr>
+          </a:solidFill>
+          <a:prstDash val="solid"/>
+        </a:ln>
+        <a:effectLst/>
+      </dsp:spPr>
+      <dsp:style>
+        <a:lnRef idx="1">
+          <a:scrgbClr r="0" g="0" b="0"/>
+        </a:lnRef>
+        <a:fillRef idx="1">
+          <a:scrgbClr r="0" g="0" b="0"/>
+        </a:fillRef>
+        <a:effectRef idx="0">
+          <a:scrgbClr r="0" g="0" b="0"/>
+        </a:effectRef>
+        <a:fontRef idx="minor"/>
+      </dsp:style>
+      <dsp:txBody>
+        <a:bodyPr spcFirstLastPara="0" vert="horz" wrap="square" lIns="170688" tIns="15240" rIns="15240" bIns="15240" numCol="1" spcCol="1270" anchor="ctr" anchorCtr="0">
+          <a:noAutofit/>
+        </a:bodyPr>
+        <a:lstStyle/>
+        <a:p>
+          <a:pPr marL="228600" lvl="1" indent="-228600" algn="l" defTabSz="1066800">
+            <a:lnSpc>
+              <a:spcPct val="90000"/>
+            </a:lnSpc>
+            <a:spcBef>
+              <a:spcPct val="0"/>
+            </a:spcBef>
+            <a:spcAft>
+              <a:spcPct val="15000"/>
+            </a:spcAft>
+            <a:buChar char="••"/>
+          </a:pPr>
+          <a:r>
+            <a:rPr lang="en-US" sz="2400" kern="1200" dirty="0" smtClean="0">
+              <a:latin typeface="Arial"/>
+              <a:cs typeface="Arial"/>
+            </a:rPr>
+            <a:t>Different Activity</a:t>
+          </a:r>
+          <a:endParaRPr lang="en-US" sz="2400" kern="1200" dirty="0">
+            <a:latin typeface="Arial"/>
+            <a:cs typeface="Arial"/>
+          </a:endParaRPr>
+        </a:p>
+      </dsp:txBody>
+      <dsp:txXfrm rot="-5400000">
+        <a:off x="1554479" y="2224379"/>
+        <a:ext cx="2251312" cy="1486354"/>
+      </dsp:txXfrm>
+    </dsp:sp>
   </dsp:spTree>
 </dsp:drawing>
 </file>
@@ -5062,7 +5906,7 @@
             <a:fld id="{2447E72A-D913-4DC2-9E0A-E520CE8FCC86}" type="datetimeFigureOut">
               <a:rPr lang="en-US" smtClean="0"/>
               <a:pPr/>
-              <a:t>1/15/2017</a:t>
+              <a:t>2013-09-17</a:t>
             </a:fld>
             <a:endParaRPr lang="en-US"/>
           </a:p>
@@ -5408,11 +6252,6 @@
         </p:txBody>
       </p:sp>
     </p:spTree>
-    <p:extLst>
-      <p:ext uri="{BB962C8B-B14F-4D97-AF65-F5344CB8AC3E}">
-        <p14:creationId xmlns:p14="http://schemas.microsoft.com/office/powerpoint/2010/main" val="1816947179"/>
-      </p:ext>
-    </p:extLst>
   </p:cSld>
   <p:clrMapOvr>
     <a:masterClrMapping/>
@@ -5729,7 +6568,7 @@
             <a:fld id="{743653DA-8BF4-4869-96FE-9BCF43372D46}" type="datetime8">
               <a:rPr lang="en-US" smtClean="0"/>
               <a:pPr algn="ctr"/>
-              <a:t>1/15/2017 5:45 PM</a:t>
+              <a:t>2013-09-17 09:37</a:t>
             </a:fld>
             <a:endParaRPr lang="en-US" sz="2000" dirty="0">
               <a:solidFill>
@@ -5939,7 +6778,7 @@
                 </a:solidFill>
               </a:rPr>
               <a:pPr/>
-              <a:t>1/15/2017 5:45 PM</a:t>
+              <a:t>2013-09-17 09:37</a:t>
             </a:fld>
             <a:endParaRPr lang="en-US"/>
           </a:p>
@@ -6129,7 +6968,7 @@
                 </a:solidFill>
               </a:rPr>
               <a:pPr/>
-              <a:t>1/15/2017 5:45 PM</a:t>
+              <a:t>2013-09-17 09:37</a:t>
             </a:fld>
             <a:endParaRPr lang="en-US" dirty="0"/>
           </a:p>
@@ -6398,7 +7237,7 @@
             <a:fld id="{B7129108-AC8D-4212-9283-60D9E99BF07A}" type="datetime8">
               <a:rPr lang="en-US" smtClean="0"/>
               <a:pPr/>
-              <a:t>1/15/2017 5:45 PM</a:t>
+              <a:t>2013-09-17 09:37</a:t>
             </a:fld>
             <a:endParaRPr lang="en-US" dirty="0"/>
           </a:p>
@@ -6815,7 +7654,7 @@
             <a:fld id="{B6DED3D3-6235-4F4C-B439-DF277FB555A7}" type="datetime8">
               <a:rPr lang="en-US" smtClean="0"/>
               <a:pPr/>
-              <a:t>1/15/2017 5:45 PM</a:t>
+              <a:t>2013-09-17 09:37</a:t>
             </a:fld>
             <a:endParaRPr lang="en-US"/>
           </a:p>
@@ -7064,7 +7903,7 @@
             <a:fld id="{3B5F1E3E-4B2F-4895-B65E-28B2E64F39F6}" type="datetime8">
               <a:rPr lang="en-US" smtClean="0"/>
               <a:pPr/>
-              <a:t>1/15/2017 5:45 PM</a:t>
+              <a:t>2013-09-17 09:37</a:t>
             </a:fld>
             <a:endParaRPr lang="en-US"/>
           </a:p>
@@ -7303,7 +8142,7 @@
             <a:fld id="{63085435-8225-4333-BFFA-0096413F0D76}" type="datetime8">
               <a:rPr lang="en-US" smtClean="0"/>
               <a:pPr/>
-              <a:t>1/15/2017 5:45 PM</a:t>
+              <a:t>2013-09-17 09:37</a:t>
             </a:fld>
             <a:endParaRPr lang="en-US"/>
           </a:p>
@@ -7501,7 +8340,7 @@
             <a:fld id="{0783C494-2A87-468C-A21B-CB14FB9ABB00}" type="datetime8">
               <a:rPr lang="en-US" smtClean="0"/>
               <a:pPr/>
-              <a:t>1/15/2017 5:45 PM</a:t>
+              <a:t>2013-09-17 09:37</a:t>
             </a:fld>
             <a:endParaRPr lang="en-US"/>
           </a:p>
@@ -7605,7 +8444,7 @@
             <a:fld id="{9A180FA0-5B31-4864-A2BB-719EA5A679C6}" type="datetime8">
               <a:rPr lang="en-US" smtClean="0"/>
               <a:pPr/>
-              <a:t>1/15/2017 5:45 PM</a:t>
+              <a:t>2013-09-17 09:37</a:t>
             </a:fld>
             <a:endParaRPr lang="en-US"/>
           </a:p>
@@ -7747,7 +8586,7 @@
             <a:fld id="{4BECC0C8-36B8-442A-833D-B6AACE86BB77}" type="datetime8">
               <a:rPr lang="en-US" smtClean="0"/>
               <a:pPr/>
-              <a:t>1/15/2017 5:45 PM</a:t>
+              <a:t>2013-09-17 09:37</a:t>
             </a:fld>
             <a:endParaRPr lang="en-US"/>
           </a:p>
@@ -8222,7 +9061,7 @@
             <a:fld id="{51E20EC5-AC53-4169-941E-EDF10CD23748}" type="datetime8">
               <a:rPr lang="en-US" smtClean="0"/>
               <a:pPr/>
-              <a:t>1/15/2017 5:45 PM</a:t>
+              <a:t>2013-09-17 09:37</a:t>
             </a:fld>
             <a:endParaRPr lang="en-US"/>
           </a:p>
@@ -8490,7 +9329,7 @@
                 </a:solidFill>
               </a:rPr>
               <a:pPr/>
-              <a:t>1/15/2017 5:45 PM</a:t>
+              <a:t>2013-09-17 09:37</a:t>
             </a:fld>
             <a:endParaRPr lang="en-US" sz="1400" dirty="0">
               <a:solidFill>
@@ -9122,7 +9961,7 @@
   <p:timing>
     <p:tnLst>
       <p:par>
-        <p:cTn id="1" dur="indefinite" restart="never" nodeType="tmRoot"/>
+        <p:cTn xmlns:p14="http://schemas.microsoft.com/office/powerpoint/2010/main" id="1" dur="indefinite" restart="never" nodeType="tmRoot"/>
       </p:par>
     </p:tnLst>
   </p:timing>
@@ -9193,7 +10032,7 @@
         </p:spPr>
         <p:txBody>
           <a:bodyPr>
-            <a:normAutofit fontScale="92500" lnSpcReduction="10000"/>
+            <a:normAutofit lnSpcReduction="10000"/>
           </a:bodyPr>
           <a:lstStyle/>
           <a:p>
@@ -9202,7 +10041,28 @@
                 <a:latin typeface="Arial"/>
                 <a:cs typeface="Arial"/>
               </a:rPr>
-              <a:t>The act of supporting or instructing requires EAs to actively:</a:t>
+              <a:t>The act of </a:t>
+            </a:r>
+            <a:r>
+              <a:rPr lang="en-US" sz="2800" dirty="0" smtClean="0">
+                <a:latin typeface="Arial"/>
+                <a:cs typeface="Arial"/>
+              </a:rPr>
+              <a:t>supporting or instructing</a:t>
+            </a:r>
+            <a:r>
+              <a:rPr lang="en-US" sz="2800" dirty="0" smtClean="0">
+                <a:latin typeface="Arial"/>
+                <a:cs typeface="Arial"/>
+              </a:rPr>
+              <a:t> </a:t>
+            </a:r>
+            <a:r>
+              <a:rPr lang="en-US" sz="2800" dirty="0" smtClean="0">
+                <a:latin typeface="Arial"/>
+                <a:cs typeface="Arial"/>
+              </a:rPr>
+              <a:t>requires EAs to actively:</a:t>
             </a:r>
           </a:p>
           <a:p>
@@ -9334,7 +10194,7 @@
   <p:timing>
     <p:tnLst>
       <p:par>
-        <p:cTn id="1" dur="indefinite" restart="never" nodeType="tmRoot"/>
+        <p:cTn xmlns:p14="http://schemas.microsoft.com/office/powerpoint/2010/main" id="1" dur="indefinite" restart="never" nodeType="tmRoot"/>
       </p:par>
     </p:tnLst>
   </p:timing>
@@ -9512,7 +10372,7 @@
   <p:timing>
     <p:tnLst>
       <p:par>
-        <p:cTn id="1" dur="indefinite" restart="never" nodeType="tmRoot"/>
+        <p:cTn xmlns:p14="http://schemas.microsoft.com/office/powerpoint/2010/main" id="1" dur="indefinite" restart="never" nodeType="tmRoot"/>
       </p:par>
     </p:tnLst>
   </p:timing>
@@ -9556,7 +10416,14 @@
                 <a:latin typeface="Arial"/>
                 <a:cs typeface="Arial"/>
               </a:rPr>
-              <a:t>Activity: Case Studies</a:t>
+              <a:t>Activity: </a:t>
+            </a:r>
+            <a:r>
+              <a:rPr lang="en-US" dirty="0" smtClean="0">
+                <a:latin typeface="Arial"/>
+                <a:cs typeface="Arial"/>
+              </a:rPr>
+              <a:t>Case Studies</a:t>
             </a:r>
             <a:endParaRPr lang="en-US" dirty="0">
               <a:latin typeface="Arial"/>
@@ -9577,21 +10444,29 @@
         </p:nvSpPr>
         <p:spPr/>
         <p:txBody>
-          <a:bodyPr>
-            <a:normAutofit lnSpcReduction="10000"/>
-          </a:bodyPr>
+          <a:bodyPr/>
           <a:lstStyle/>
           <a:p>
             <a:r>
               <a:rPr lang="en-US" dirty="0" smtClean="0"/>
-              <a:t>Work in small groups.</a:t>
+              <a:t>Work in small </a:t>
             </a:r>
-          </a:p>
-          <a:p>
             <a:r>
               <a:rPr lang="en-US" dirty="0" smtClean="0"/>
-              <a:t>Imagine you are a team of EAs, supporting the student described in the case study.</a:t>
+              <a:t>groups.</a:t>
             </a:r>
+            <a:endParaRPr lang="en-US" dirty="0" smtClean="0"/>
+          </a:p>
+          <a:p>
+            <a:r>
+              <a:rPr lang="en-US" dirty="0" smtClean="0"/>
+              <a:t>Imagine you are a team of EAs, supporting the student described in the case </a:t>
+            </a:r>
+            <a:r>
+              <a:rPr lang="en-US" dirty="0" smtClean="0"/>
+              <a:t>study.</a:t>
+            </a:r>
+            <a:endParaRPr lang="en-US" dirty="0" smtClean="0"/>
           </a:p>
           <a:p>
             <a:r>
@@ -9643,7 +10518,7 @@
   <p:timing>
     <p:tnLst>
       <p:par>
-        <p:cTn id="1" dur="indefinite" restart="never" nodeType="tmRoot"/>
+        <p:cTn xmlns:p14="http://schemas.microsoft.com/office/powerpoint/2010/main" id="1" dur="indefinite" restart="never" nodeType="tmRoot"/>
       </p:par>
     </p:tnLst>
   </p:timing>
@@ -9795,7 +10670,7 @@
   <p:timing>
     <p:tnLst>
       <p:par>
-        <p:cTn id="1" dur="indefinite" restart="never" nodeType="tmRoot"/>
+        <p:cTn xmlns:p14="http://schemas.microsoft.com/office/powerpoint/2010/main" id="1" dur="indefinite" restart="never" nodeType="tmRoot"/>
       </p:par>
     </p:tnLst>
   </p:timing>
@@ -9862,9 +10737,7 @@
         </p:nvSpPr>
         <p:spPr/>
         <p:txBody>
-          <a:bodyPr>
-            <a:normAutofit fontScale="92500"/>
-          </a:bodyPr>
+          <a:bodyPr/>
           <a:lstStyle/>
           <a:p>
             <a:r>
@@ -9933,7 +10806,7 @@
   <p:timing>
     <p:tnLst>
       <p:par>
-        <p:cTn id="1" dur="indefinite" restart="never" nodeType="tmRoot"/>
+        <p:cTn xmlns:p14="http://schemas.microsoft.com/office/powerpoint/2010/main" id="1" dur="indefinite" restart="never" nodeType="tmRoot"/>
       </p:par>
     </p:tnLst>
   </p:timing>
@@ -10028,21 +10901,7 @@
                 <a:latin typeface="Arial"/>
                 <a:cs typeface="Arial"/>
               </a:rPr>
-              <a:t>Students are learning about the bone structure of dinosaurs (PLO from Science). </a:t>
-            </a:r>
-            <a:r>
-              <a:rPr lang="en-US" dirty="0" smtClean="0">
-                <a:latin typeface="Arial"/>
-                <a:cs typeface="Arial"/>
-              </a:rPr>
-              <a:t>They </a:t>
-            </a:r>
-            <a:r>
-              <a:rPr lang="en-US" dirty="0" smtClean="0">
-                <a:latin typeface="Arial"/>
-                <a:cs typeface="Arial"/>
-              </a:rPr>
-              <a:t>are ___________. Samuel (focus student) is ___________. I (EA) am _______________ because ___________.</a:t>
+              <a:t>Students are learning about the bone structure of dinosaurs (PLO from Science). The are ___________. Samuel (focus student) is ___________. I (EA) am _______________ because ___________.</a:t>
             </a:r>
             <a:endParaRPr lang="en-US" dirty="0">
               <a:latin typeface="Arial"/>
@@ -10092,7 +10951,7 @@
   <p:timing>
     <p:tnLst>
       <p:par>
-        <p:cTn id="1" dur="indefinite" restart="never" nodeType="tmRoot"/>
+        <p:cTn xmlns:p14="http://schemas.microsoft.com/office/powerpoint/2010/main" id="1" dur="indefinite" restart="never" nodeType="tmRoot"/>
       </p:par>
     </p:tnLst>
   </p:timing>
@@ -10262,7 +11121,7 @@
   <p:timing>
     <p:tnLst>
       <p:par>
-        <p:cTn id="1" dur="indefinite" restart="never" nodeType="tmRoot"/>
+        <p:cTn xmlns:p14="http://schemas.microsoft.com/office/powerpoint/2010/main" id="1" dur="indefinite" restart="never" nodeType="tmRoot"/>
       </p:par>
     </p:tnLst>
   </p:timing>
@@ -10584,7 +11443,7 @@
   <p:timing>
     <p:tnLst>
       <p:par>
-        <p:cTn id="1" dur="indefinite" restart="never" nodeType="tmRoot"/>
+        <p:cTn xmlns:p14="http://schemas.microsoft.com/office/powerpoint/2010/main" id="1" dur="indefinite" restart="never" nodeType="tmRoot"/>
       </p:par>
     </p:tnLst>
   </p:timing>
@@ -10703,7 +11562,7 @@
   <p:timing>
     <p:tnLst>
       <p:par>
-        <p:cTn id="1" dur="indefinite" restart="never" nodeType="tmRoot"/>
+        <p:cTn xmlns:p14="http://schemas.microsoft.com/office/powerpoint/2010/main" id="1" dur="indefinite" restart="never" nodeType="tmRoot"/>
       </p:par>
     </p:tnLst>
   </p:timing>
@@ -10822,7 +11681,7 @@
   <p:timing>
     <p:tnLst>
       <p:par>
-        <p:cTn id="1" dur="indefinite" restart="never" nodeType="tmRoot"/>
+        <p:cTn xmlns:p14="http://schemas.microsoft.com/office/powerpoint/2010/main" id="1" dur="indefinite" restart="never" nodeType="tmRoot"/>
       </p:par>
     </p:tnLst>
   </p:timing>
